--- a/PatternTemplate/misoka/Lasso.pptx
+++ b/PatternTemplate/misoka/Lasso.pptx
@@ -124,7 +124,7 @@
   </p:defaultTextStyle>
   <p:extLst>
     <p:ext uri="{EFAFB233-063F-42B5-8137-9DF3F51BA10A}">
-      <p15:sldGuideLst xmlns="" xmlns:p15="http://schemas.microsoft.com/office/powerpoint/2012/main">
+      <p15:sldGuideLst xmlns:p15="http://schemas.microsoft.com/office/powerpoint/2012/main" xmlns="">
         <p15:guide id="1" orient="horz" pos="2160">
           <p15:clr>
             <a:srgbClr val="A4A3A4"/>
@@ -6997,7 +6997,6 @@
               <a:rPr kumimoji="1" lang="ja-JP" altLang="en-US" dirty="0" smtClean="0"/>
               <a:t>欠損値の補完</a:t>
             </a:r>
-            <a:endParaRPr kumimoji="1" lang="ja-JP" altLang="en-US" dirty="0" smtClean="0"/>
           </a:p>
         </p:txBody>
       </p:sp>
@@ -7349,7 +7348,23 @@
             <a:pPr algn="ctr"/>
             <a:r>
               <a:rPr kumimoji="1" lang="ja-JP" altLang="en-US" dirty="0" smtClean="0"/>
-              <a:t>・標準化</a:t>
+              <a:t>・</a:t>
+            </a:r>
+            <a:r>
+              <a:rPr lang="en-US" altLang="ja-JP" dirty="0" smtClean="0"/>
+              <a:t>(</a:t>
+            </a:r>
+            <a:r>
+              <a:rPr lang="ja-JP" altLang="en-US" dirty="0" smtClean="0"/>
+              <a:t>歪度に関係なくすべて</a:t>
+            </a:r>
+            <a:r>
+              <a:rPr lang="en-US" altLang="ja-JP" smtClean="0"/>
+              <a:t>)</a:t>
+            </a:r>
+            <a:r>
+              <a:rPr kumimoji="1" lang="ja-JP" altLang="en-US" smtClean="0"/>
+              <a:t>標準化</a:t>
             </a:r>
             <a:endParaRPr kumimoji="1" lang="ja-JP" altLang="en-US" dirty="0" smtClean="0"/>
           </a:p>
@@ -7649,11 +7664,7 @@
             <a:pPr algn="ctr"/>
             <a:r>
               <a:rPr kumimoji="1" lang="en-US" altLang="ja-JP" dirty="0" smtClean="0"/>
-              <a:t>One Hot </a:t>
-            </a:r>
-            <a:r>
-              <a:rPr kumimoji="1" lang="en-US" altLang="ja-JP" dirty="0" smtClean="0"/>
-              <a:t>Encoding</a:t>
+              <a:t>One Hot Encoding</a:t>
             </a:r>
             <a:endParaRPr kumimoji="1" lang="ja-JP" altLang="en-US" dirty="0" smtClean="0"/>
           </a:p>
